--- a/Lab/Lab08_malloc/HITCS-Lab8-malloc.pptx
+++ b/Lab/Lab08_malloc/HITCS-Lab8-malloc.pptx
@@ -265,7 +265,7 @@
             <a:fld id="{C79C02A0-2CB8-F64C-87A7-A5563D28AA9B}" type="datetimeFigureOut">
               <a:rPr lang="en-US" smtClean="0"/>
               <a:pPr/>
-              <a:t>6/8/2021</a:t>
+              <a:t>6/18/2021</a:t>
             </a:fld>
             <a:endParaRPr lang="en-US"/>
           </a:p>
@@ -6326,7 +6326,23 @@
             </a:pPr>
             <a:r>
               <a:rPr lang="zh-CN" altLang="en-US" dirty="0"/>
-              <a:t>     轨迹文件：指示测试驱动程序</a:t>
+              <a:t>     </a:t>
+            </a:r>
+            <a:endParaRPr lang="en-US" altLang="zh-CN" dirty="0"/>
+          </a:p>
+          <a:p>
+            <a:pPr lvl="1">
+              <a:spcBef>
+                <a:spcPts val="0"/>
+              </a:spcBef>
+            </a:pPr>
+            <a:r>
+              <a:rPr lang="en-US" altLang="zh-CN" dirty="0" err="1"/>
+              <a:t>amptjp-bal.rep</a:t>
+            </a:r>
+            <a:r>
+              <a:rPr lang="zh-CN" altLang="en-US" dirty="0"/>
+              <a:t>轨迹文件：指示测试驱动程序</a:t>
             </a:r>
             <a:r>
               <a:rPr lang="en-US" altLang="zh-CN" dirty="0" err="1"/>
@@ -6359,18 +6375,6 @@
             <a:r>
               <a:rPr lang="en-US" altLang="zh-CN" dirty="0" err="1"/>
               <a:t>mm_free</a:t>
-            </a:r>
-            <a:endParaRPr lang="en-US" altLang="zh-CN" dirty="0"/>
-          </a:p>
-          <a:p>
-            <a:pPr lvl="1">
-              <a:spcBef>
-                <a:spcPts val="0"/>
-              </a:spcBef>
-            </a:pPr>
-            <a:r>
-              <a:rPr lang="en-US" altLang="zh-CN" dirty="0" err="1"/>
-              <a:t>amptjp-bal.rep</a:t>
             </a:r>
             <a:endParaRPr lang="en-US" altLang="zh-CN" dirty="0"/>
           </a:p>
